--- a/data/Venus and Mars.pptx
+++ b/data/Venus and Mars.pptx
@@ -4770,7 +4770,7 @@
           <a:p>
             <a:fld id="{9D918E03-3F44-4B91-BA90-AA3A22AA7D5E}" type="datetimeFigureOut">
               <a:rPr lang="en-US" smtClean="0"/>
-              <a:t>3/31/2020</a:t>
+              <a:t>4/24/2020</a:t>
             </a:fld>
             <a:endParaRPr lang="en-US"/>
           </a:p>
@@ -4968,7 +4968,7 @@
           <a:p>
             <a:fld id="{9D918E03-3F44-4B91-BA90-AA3A22AA7D5E}" type="datetimeFigureOut">
               <a:rPr lang="en-US" smtClean="0"/>
-              <a:t>3/31/2020</a:t>
+              <a:t>4/24/2020</a:t>
             </a:fld>
             <a:endParaRPr lang="en-US"/>
           </a:p>
@@ -5176,7 +5176,7 @@
           <a:p>
             <a:fld id="{9D918E03-3F44-4B91-BA90-AA3A22AA7D5E}" type="datetimeFigureOut">
               <a:rPr lang="en-US" smtClean="0"/>
-              <a:t>3/31/2020</a:t>
+              <a:t>4/24/2020</a:t>
             </a:fld>
             <a:endParaRPr lang="en-US"/>
           </a:p>
@@ -5374,7 +5374,7 @@
           <a:p>
             <a:fld id="{9D918E03-3F44-4B91-BA90-AA3A22AA7D5E}" type="datetimeFigureOut">
               <a:rPr lang="en-US" smtClean="0"/>
-              <a:t>3/31/2020</a:t>
+              <a:t>4/24/2020</a:t>
             </a:fld>
             <a:endParaRPr lang="en-US"/>
           </a:p>
@@ -5649,7 +5649,7 @@
           <a:p>
             <a:fld id="{9D918E03-3F44-4B91-BA90-AA3A22AA7D5E}" type="datetimeFigureOut">
               <a:rPr lang="en-US" smtClean="0"/>
-              <a:t>3/31/2020</a:t>
+              <a:t>4/24/2020</a:t>
             </a:fld>
             <a:endParaRPr lang="en-US"/>
           </a:p>
@@ -5914,7 +5914,7 @@
           <a:p>
             <a:fld id="{9D918E03-3F44-4B91-BA90-AA3A22AA7D5E}" type="datetimeFigureOut">
               <a:rPr lang="en-US" smtClean="0"/>
-              <a:t>3/31/2020</a:t>
+              <a:t>4/24/2020</a:t>
             </a:fld>
             <a:endParaRPr lang="en-US"/>
           </a:p>
@@ -6326,7 +6326,7 @@
           <a:p>
             <a:fld id="{9D918E03-3F44-4B91-BA90-AA3A22AA7D5E}" type="datetimeFigureOut">
               <a:rPr lang="en-US" smtClean="0"/>
-              <a:t>3/31/2020</a:t>
+              <a:t>4/24/2020</a:t>
             </a:fld>
             <a:endParaRPr lang="en-US"/>
           </a:p>
@@ -6467,7 +6467,7 @@
           <a:p>
             <a:fld id="{9D918E03-3F44-4B91-BA90-AA3A22AA7D5E}" type="datetimeFigureOut">
               <a:rPr lang="en-US" smtClean="0"/>
-              <a:t>3/31/2020</a:t>
+              <a:t>4/24/2020</a:t>
             </a:fld>
             <a:endParaRPr lang="en-US"/>
           </a:p>
@@ -6580,7 +6580,7 @@
           <a:p>
             <a:fld id="{9D918E03-3F44-4B91-BA90-AA3A22AA7D5E}" type="datetimeFigureOut">
               <a:rPr lang="en-US" smtClean="0"/>
-              <a:t>3/31/2020</a:t>
+              <a:t>4/24/2020</a:t>
             </a:fld>
             <a:endParaRPr lang="en-US"/>
           </a:p>
@@ -6891,7 +6891,7 @@
           <a:p>
             <a:fld id="{9D918E03-3F44-4B91-BA90-AA3A22AA7D5E}" type="datetimeFigureOut">
               <a:rPr lang="en-US" smtClean="0"/>
-              <a:t>3/31/2020</a:t>
+              <a:t>4/24/2020</a:t>
             </a:fld>
             <a:endParaRPr lang="en-US"/>
           </a:p>
@@ -7179,7 +7179,7 @@
           <a:p>
             <a:fld id="{9D918E03-3F44-4B91-BA90-AA3A22AA7D5E}" type="datetimeFigureOut">
               <a:rPr lang="en-US" smtClean="0"/>
-              <a:t>3/31/2020</a:t>
+              <a:t>4/24/2020</a:t>
             </a:fld>
             <a:endParaRPr lang="en-US"/>
           </a:p>
@@ -7420,7 +7420,7 @@
           <a:p>
             <a:fld id="{9D918E03-3F44-4B91-BA90-AA3A22AA7D5E}" type="datetimeFigureOut">
               <a:rPr lang="en-US" smtClean="0"/>
-              <a:t>3/31/2020</a:t>
+              <a:t>4/24/2020</a:t>
             </a:fld>
             <a:endParaRPr lang="en-US"/>
           </a:p>
@@ -8078,12 +8078,20 @@
           <a:p>
             <a:pPr algn="ctr"/>
             <a:r>
+              <a:rPr lang="en-US" sz="2800">
+                <a:solidFill>
+                  <a:schemeClr val="bg1"/>
+                </a:solidFill>
+              </a:rPr>
+              <a:t>What </a:t>
+            </a:r>
+            <a:r>
               <a:rPr lang="en-US" sz="2800" dirty="0">
                 <a:solidFill>
                   <a:schemeClr val="bg1"/>
                 </a:solidFill>
               </a:rPr>
-              <a:t>?What are the odds? </a:t>
+              <a:t>are the Odds? </a:t>
             </a:r>
           </a:p>
           <a:p>
@@ -8101,23 +8109,7 @@
                   <a:schemeClr val="bg1"/>
                 </a:solidFill>
               </a:rPr>
-              <a:t>Like flipping a coin.  Even our most iconic ratio </a:t>
-            </a:r>
-            <a:r>
-              <a:rPr lang="en-US">
-                <a:solidFill>
-                  <a:schemeClr val="bg1"/>
-                </a:solidFill>
-              </a:rPr>
-              <a:t>is skewed</a:t>
-            </a:r>
-            <a:r>
-              <a:rPr lang="en-US" dirty="0">
-                <a:solidFill>
-                  <a:schemeClr val="bg1"/>
-                </a:solidFill>
-              </a:rPr>
-              <a:t>.  So are the odds in your favor or theirs…Spin the wheel to determine who kicks the ole bucket.</a:t>
+              <a:t>Like flipping a coin.  Even our most iconic ratio is skewed.  So are the odds in your favor or theirs…Spin the wheel to determine who kicks the ole bucket. A game of chance!</a:t>
             </a:r>
           </a:p>
           <a:p>
